--- a/JS Fundamentals/11.jQuery/jQuery.pptx
+++ b/JS Fundamentals/11.jQuery/jQuery.pptx
@@ -5,10 +5,10 @@
     <p:sldMasterId id="2147484157" r:id="rId1"/>
   </p:sldMasterIdLst>
   <p:notesMasterIdLst>
-    <p:notesMasterId r:id="rId16"/>
+    <p:notesMasterId r:id="rId20"/>
   </p:notesMasterIdLst>
   <p:handoutMasterIdLst>
-    <p:handoutMasterId r:id="rId17"/>
+    <p:handoutMasterId r:id="rId21"/>
   </p:handoutMasterIdLst>
   <p:sldIdLst>
     <p:sldId id="256" r:id="rId2"/>
@@ -23,8 +23,12 @@
     <p:sldId id="382" r:id="rId11"/>
     <p:sldId id="383" r:id="rId12"/>
     <p:sldId id="384" r:id="rId13"/>
-    <p:sldId id="266" r:id="rId14"/>
-    <p:sldId id="278" r:id="rId15"/>
+    <p:sldId id="385" r:id="rId14"/>
+    <p:sldId id="386" r:id="rId15"/>
+    <p:sldId id="387" r:id="rId16"/>
+    <p:sldId id="388" r:id="rId17"/>
+    <p:sldId id="266" r:id="rId18"/>
+    <p:sldId id="278" r:id="rId19"/>
   </p:sldIdLst>
   <p:sldSz cx="12192000" cy="6858000"/>
   <p:notesSz cx="6858000" cy="9144000"/>
@@ -227,7 +231,7 @@
           <a:p>
             <a:fld id="{D10AF160-CD5A-4A77-96B0-C85B80371432}" type="datetimeFigureOut">
               <a:rPr lang="en-US" smtClean="0"/>
-              <a:t>30-May-16</a:t>
+              <a:t>01-Jun-16</a:t>
             </a:fld>
             <a:endParaRPr lang="en-US"/>
           </a:p>
@@ -392,7 +396,7 @@
           <a:p>
             <a:fld id="{F6A950C5-F15E-44EA-AF6A-22227443235C}" type="datetimeFigureOut">
               <a:rPr lang="en-US" smtClean="0"/>
-              <a:t>30-May-16</a:t>
+              <a:t>01-Jun-16</a:t>
             </a:fld>
             <a:endParaRPr lang="en-US"/>
           </a:p>
@@ -1165,7 +1169,7 @@
           <a:p>
             <a:fld id="{6F66794D-9D79-4AC5-96DA-597EA4BF2704}" type="datetimeFigureOut">
               <a:rPr lang="en-US" smtClean="0"/>
-              <a:t>30-May-16</a:t>
+              <a:t>01-Jun-16</a:t>
             </a:fld>
             <a:endParaRPr lang="en-US"/>
           </a:p>
@@ -1499,7 +1503,7 @@
           <a:p>
             <a:fld id="{6F66794D-9D79-4AC5-96DA-597EA4BF2704}" type="datetimeFigureOut">
               <a:rPr lang="en-US" smtClean="0"/>
-              <a:t>30-May-16</a:t>
+              <a:t>01-Jun-16</a:t>
             </a:fld>
             <a:endParaRPr lang="en-US"/>
           </a:p>
@@ -1755,7 +1759,7 @@
           <a:p>
             <a:fld id="{6F66794D-9D79-4AC5-96DA-597EA4BF2704}" type="datetimeFigureOut">
               <a:rPr lang="en-US" smtClean="0"/>
-              <a:t>30-May-16</a:t>
+              <a:t>01-Jun-16</a:t>
             </a:fld>
             <a:endParaRPr lang="en-US"/>
           </a:p>
@@ -2303,7 +2307,7 @@
           <a:p>
             <a:fld id="{6F66794D-9D79-4AC5-96DA-597EA4BF2704}" type="datetimeFigureOut">
               <a:rPr lang="en-US" smtClean="0"/>
-              <a:t>30-May-16</a:t>
+              <a:t>01-Jun-16</a:t>
             </a:fld>
             <a:endParaRPr lang="en-US"/>
           </a:p>
@@ -2559,7 +2563,7 @@
           <a:p>
             <a:fld id="{6F66794D-9D79-4AC5-96DA-597EA4BF2704}" type="datetimeFigureOut">
               <a:rPr lang="en-US" smtClean="0"/>
-              <a:t>30-May-16</a:t>
+              <a:t>01-Jun-16</a:t>
             </a:fld>
             <a:endParaRPr lang="en-US"/>
           </a:p>
@@ -3099,7 +3103,7 @@
           <a:p>
             <a:fld id="{6F66794D-9D79-4AC5-96DA-597EA4BF2704}" type="datetimeFigureOut">
               <a:rPr lang="en-US" smtClean="0"/>
-              <a:t>30-May-16</a:t>
+              <a:t>01-Jun-16</a:t>
             </a:fld>
             <a:endParaRPr lang="en-US"/>
           </a:p>
@@ -3404,7 +3408,7 @@
           <a:p>
             <a:fld id="{6F66794D-9D79-4AC5-96DA-597EA4BF2704}" type="datetimeFigureOut">
               <a:rPr lang="en-US" smtClean="0"/>
-              <a:t>30-May-16</a:t>
+              <a:t>01-Jun-16</a:t>
             </a:fld>
             <a:endParaRPr lang="en-US"/>
           </a:p>
@@ -3586,7 +3590,7 @@
           <a:p>
             <a:fld id="{6F66794D-9D79-4AC5-96DA-597EA4BF2704}" type="datetimeFigureOut">
               <a:rPr lang="en-US" smtClean="0"/>
-              <a:t>30-May-16</a:t>
+              <a:t>01-Jun-16</a:t>
             </a:fld>
             <a:endParaRPr lang="en-US"/>
           </a:p>
@@ -3774,7 +3778,7 @@
           <a:p>
             <a:fld id="{6F66794D-9D79-4AC5-96DA-597EA4BF2704}" type="datetimeFigureOut">
               <a:rPr lang="en-US" smtClean="0"/>
-              <a:t>30-May-16</a:t>
+              <a:t>01-Jun-16</a:t>
             </a:fld>
             <a:endParaRPr lang="en-US"/>
           </a:p>
@@ -3952,7 +3956,7 @@
           <a:p>
             <a:fld id="{6F66794D-9D79-4AC5-96DA-597EA4BF2704}" type="datetimeFigureOut">
               <a:rPr lang="en-US" smtClean="0"/>
-              <a:t>30-May-16</a:t>
+              <a:t>01-Jun-16</a:t>
             </a:fld>
             <a:endParaRPr lang="en-US"/>
           </a:p>
@@ -4241,7 +4245,7 @@
           <a:p>
             <a:fld id="{6F66794D-9D79-4AC5-96DA-597EA4BF2704}" type="datetimeFigureOut">
               <a:rPr lang="en-US" smtClean="0"/>
-              <a:t>30-May-16</a:t>
+              <a:t>01-Jun-16</a:t>
             </a:fld>
             <a:endParaRPr lang="en-US"/>
           </a:p>
@@ -4546,7 +4550,7 @@
           <a:p>
             <a:fld id="{6F66794D-9D79-4AC5-96DA-597EA4BF2704}" type="datetimeFigureOut">
               <a:rPr lang="en-US" smtClean="0"/>
-              <a:t>30-May-16</a:t>
+              <a:t>01-Jun-16</a:t>
             </a:fld>
             <a:endParaRPr lang="en-US"/>
           </a:p>
@@ -5026,7 +5030,7 @@
           <a:p>
             <a:fld id="{6F66794D-9D79-4AC5-96DA-597EA4BF2704}" type="datetimeFigureOut">
               <a:rPr lang="en-US" smtClean="0"/>
-              <a:t>30-May-16</a:t>
+              <a:t>01-Jun-16</a:t>
             </a:fld>
             <a:endParaRPr lang="en-US"/>
           </a:p>
@@ -5182,7 +5186,7 @@
           <a:p>
             <a:fld id="{6F66794D-9D79-4AC5-96DA-597EA4BF2704}" type="datetimeFigureOut">
               <a:rPr lang="en-US" smtClean="0"/>
-              <a:t>30-May-16</a:t>
+              <a:t>01-Jun-16</a:t>
             </a:fld>
             <a:endParaRPr lang="en-US"/>
           </a:p>
@@ -5285,7 +5289,7 @@
           <a:p>
             <a:fld id="{6F66794D-9D79-4AC5-96DA-597EA4BF2704}" type="datetimeFigureOut">
               <a:rPr lang="en-US" smtClean="0"/>
-              <a:t>30-May-16</a:t>
+              <a:t>01-Jun-16</a:t>
             </a:fld>
             <a:endParaRPr lang="en-US"/>
           </a:p>
@@ -5576,7 +5580,7 @@
           <a:p>
             <a:fld id="{6F66794D-9D79-4AC5-96DA-597EA4BF2704}" type="datetimeFigureOut">
               <a:rPr lang="en-US" smtClean="0"/>
-              <a:t>30-May-16</a:t>
+              <a:t>01-Jun-16</a:t>
             </a:fld>
             <a:endParaRPr lang="en-US"/>
           </a:p>
@@ -5875,7 +5879,7 @@
           <a:p>
             <a:fld id="{6F66794D-9D79-4AC5-96DA-597EA4BF2704}" type="datetimeFigureOut">
               <a:rPr lang="en-US" smtClean="0"/>
-              <a:t>30-May-16</a:t>
+              <a:t>01-Jun-16</a:t>
             </a:fld>
             <a:endParaRPr lang="en-US"/>
           </a:p>
@@ -6413,7 +6417,7 @@
           <a:p>
             <a:fld id="{6F66794D-9D79-4AC5-96DA-597EA4BF2704}" type="datetimeFigureOut">
               <a:rPr lang="en-US" smtClean="0"/>
-              <a:t>30-May-16</a:t>
+              <a:t>01-Jun-16</a:t>
             </a:fld>
             <a:endParaRPr lang="en-US"/>
           </a:p>
@@ -8118,11 +8122,7 @@
           <a:p>
             <a:r>
               <a:rPr lang="bg-BG" dirty="0" smtClean="0"/>
-              <a:t>Манипулация</a:t>
-            </a:r>
-            <a:r>
-              <a:rPr lang="bg-BG" dirty="0" smtClean="0"/>
-              <a:t> на </a:t>
+              <a:t>Манипулация на </a:t>
             </a:r>
             <a:r>
               <a:rPr lang="en-US" dirty="0" smtClean="0"/>
@@ -8732,6 +8732,1084 @@
           <a:chExt cx="0" cy="0"/>
         </a:xfrm>
       </p:grpSpPr>
+      <p:sp>
+        <p:nvSpPr>
+          <p:cNvPr id="2" name="Title 1"/>
+          <p:cNvSpPr>
+            <a:spLocks noGrp="1"/>
+          </p:cNvSpPr>
+          <p:nvPr>
+            <p:ph type="title"/>
+          </p:nvPr>
+        </p:nvSpPr>
+        <p:spPr/>
+        <p:txBody>
+          <a:bodyPr/>
+          <a:lstStyle/>
+          <a:p>
+            <a:r>
+              <a:rPr lang="bg-BG" dirty="0" smtClean="0"/>
+              <a:t>Характеристики на </a:t>
+            </a:r>
+            <a:r>
+              <a:rPr lang="en-US" dirty="0" smtClean="0"/>
+              <a:t>jQuery </a:t>
+            </a:r>
+            <a:r>
+              <a:rPr lang="bg-BG" dirty="0" smtClean="0"/>
+              <a:t>елементите</a:t>
+            </a:r>
+            <a:endParaRPr lang="en-US" dirty="0"/>
+          </a:p>
+        </p:txBody>
+      </p:sp>
+      <p:sp>
+        <p:nvSpPr>
+          <p:cNvPr id="3" name="Content Placeholder 2"/>
+          <p:cNvSpPr>
+            <a:spLocks noGrp="1"/>
+          </p:cNvSpPr>
+          <p:nvPr>
+            <p:ph idx="1"/>
+          </p:nvPr>
+        </p:nvSpPr>
+        <p:spPr>
+          <a:xfrm>
+            <a:off x="1484311" y="2177472"/>
+            <a:ext cx="10018713" cy="3955474"/>
+          </a:xfrm>
+        </p:spPr>
+        <p:txBody>
+          <a:bodyPr>
+            <a:normAutofit/>
+          </a:bodyPr>
+          <a:lstStyle/>
+          <a:p>
+            <a:r>
+              <a:rPr lang="en-US" dirty="0" smtClean="0"/>
+              <a:t>jQuery </a:t>
+            </a:r>
+            <a:r>
+              <a:rPr lang="bg-BG" dirty="0" smtClean="0"/>
+              <a:t>елементите разширяват стандартните </a:t>
+            </a:r>
+            <a:r>
+              <a:rPr lang="en-US" dirty="0" smtClean="0"/>
+              <a:t>DOM </a:t>
+            </a:r>
+            <a:r>
+              <a:rPr lang="bg-BG" dirty="0" smtClean="0"/>
+              <a:t>елементи</a:t>
+            </a:r>
+          </a:p>
+          <a:p>
+            <a:r>
+              <a:rPr lang="bg-BG" dirty="0" smtClean="0"/>
+              <a:t>Методи за промяна на елементите и техните характеристики</a:t>
+            </a:r>
+          </a:p>
+          <a:p>
+            <a:pPr lvl="1"/>
+            <a:r>
+              <a:rPr lang="en-US" i="1" dirty="0" smtClean="0">
+                <a:solidFill>
+                  <a:schemeClr val="accent6">
+                    <a:lumMod val="75000"/>
+                  </a:schemeClr>
+                </a:solidFill>
+              </a:rPr>
+              <a:t>jQuery.css(prop, value) </a:t>
+            </a:r>
+            <a:r>
+              <a:rPr lang="en-US" dirty="0" smtClean="0"/>
+              <a:t>-&gt; inline</a:t>
+            </a:r>
+            <a:r>
+              <a:rPr lang="bg-BG" dirty="0" smtClean="0"/>
+              <a:t> стилове на елемента</a:t>
+            </a:r>
+          </a:p>
+          <a:p>
+            <a:pPr lvl="1"/>
+            <a:r>
+              <a:rPr lang="en-US" i="1" dirty="0" smtClean="0">
+                <a:solidFill>
+                  <a:schemeClr val="accent6">
+                    <a:lumMod val="75000"/>
+                  </a:schemeClr>
+                </a:solidFill>
+              </a:rPr>
+              <a:t>jQuery</a:t>
+            </a:r>
+            <a:r>
+              <a:rPr lang="bg-BG" i="1" dirty="0" smtClean="0">
+                <a:solidFill>
+                  <a:schemeClr val="accent6">
+                    <a:lumMod val="75000"/>
+                  </a:schemeClr>
+                </a:solidFill>
+              </a:rPr>
+              <a:t>.</a:t>
+            </a:r>
+            <a:r>
+              <a:rPr lang="en-US" i="1" dirty="0" smtClean="0">
+                <a:solidFill>
+                  <a:schemeClr val="accent6">
+                    <a:lumMod val="75000"/>
+                  </a:schemeClr>
+                </a:solidFill>
+              </a:rPr>
+              <a:t>html() </a:t>
+            </a:r>
+            <a:r>
+              <a:rPr lang="en-US" dirty="0" smtClean="0"/>
+              <a:t>-&gt; </a:t>
+            </a:r>
+            <a:r>
+              <a:rPr lang="bg-BG" dirty="0" smtClean="0"/>
+              <a:t>връща </a:t>
+            </a:r>
+            <a:r>
+              <a:rPr lang="en-US" i="1" dirty="0" err="1" smtClean="0">
+                <a:solidFill>
+                  <a:schemeClr val="accent6">
+                    <a:lumMod val="75000"/>
+                  </a:schemeClr>
+                </a:solidFill>
+              </a:rPr>
+              <a:t>innerHTML</a:t>
+            </a:r>
+            <a:r>
+              <a:rPr lang="bg-BG" dirty="0" smtClean="0">
+                <a:solidFill>
+                  <a:schemeClr val="accent6">
+                    <a:lumMod val="75000"/>
+                  </a:schemeClr>
+                </a:solidFill>
+              </a:rPr>
+              <a:t> </a:t>
+            </a:r>
+            <a:r>
+              <a:rPr lang="bg-BG" dirty="0" smtClean="0"/>
+              <a:t>на елемента</a:t>
+            </a:r>
+            <a:endParaRPr lang="en-US" dirty="0" smtClean="0"/>
+          </a:p>
+          <a:p>
+            <a:pPr lvl="2"/>
+            <a:r>
+              <a:rPr lang="en-US" i="1" dirty="0" smtClean="0">
+                <a:solidFill>
+                  <a:schemeClr val="accent6">
+                    <a:lumMod val="75000"/>
+                  </a:schemeClr>
+                </a:solidFill>
+              </a:rPr>
+              <a:t>jQuery.html(content)</a:t>
+            </a:r>
+            <a:r>
+              <a:rPr lang="bg-BG" i="1" dirty="0" smtClean="0">
+                <a:solidFill>
+                  <a:schemeClr val="accent6">
+                    <a:lumMod val="75000"/>
+                  </a:schemeClr>
+                </a:solidFill>
+              </a:rPr>
+              <a:t> </a:t>
+            </a:r>
+            <a:r>
+              <a:rPr lang="bg-BG" dirty="0" smtClean="0"/>
+              <a:t>-&gt; задава </a:t>
+            </a:r>
+            <a:r>
+              <a:rPr lang="en-US" i="1" dirty="0" err="1" smtClean="0">
+                <a:solidFill>
+                  <a:schemeClr val="accent6">
+                    <a:lumMod val="75000"/>
+                  </a:schemeClr>
+                </a:solidFill>
+              </a:rPr>
+              <a:t>innerHTML</a:t>
+            </a:r>
+            <a:r>
+              <a:rPr lang="bg-BG" dirty="0" smtClean="0"/>
+              <a:t> на елемента</a:t>
+            </a:r>
+            <a:endParaRPr lang="en-US" dirty="0" smtClean="0"/>
+          </a:p>
+          <a:p>
+            <a:pPr lvl="1"/>
+            <a:r>
+              <a:rPr lang="en-US" i="1" dirty="0" err="1" smtClean="0">
+                <a:solidFill>
+                  <a:schemeClr val="accent6">
+                    <a:lumMod val="75000"/>
+                  </a:schemeClr>
+                </a:solidFill>
+              </a:rPr>
+              <a:t>jQuery.text</a:t>
+            </a:r>
+            <a:r>
+              <a:rPr lang="en-US" i="1" dirty="0" smtClean="0">
+                <a:solidFill>
+                  <a:schemeClr val="accent6">
+                    <a:lumMod val="75000"/>
+                  </a:schemeClr>
+                </a:solidFill>
+              </a:rPr>
+              <a:t>()</a:t>
+            </a:r>
+            <a:r>
+              <a:rPr lang="bg-BG" i="1" dirty="0" smtClean="0">
+                <a:solidFill>
+                  <a:schemeClr val="accent6">
+                    <a:lumMod val="75000"/>
+                  </a:schemeClr>
+                </a:solidFill>
+              </a:rPr>
+              <a:t> </a:t>
+            </a:r>
+            <a:r>
+              <a:rPr lang="bg-BG" dirty="0" smtClean="0"/>
+              <a:t>-&gt; връща текста на даден елемент</a:t>
+            </a:r>
+            <a:endParaRPr lang="en-US" dirty="0" smtClean="0"/>
+          </a:p>
+          <a:p>
+            <a:pPr lvl="2"/>
+            <a:r>
+              <a:rPr lang="en-US" i="1" dirty="0" err="1" smtClean="0">
+                <a:solidFill>
+                  <a:schemeClr val="accent6">
+                    <a:lumMod val="75000"/>
+                  </a:schemeClr>
+                </a:solidFill>
+              </a:rPr>
+              <a:t>jQuery.text</a:t>
+            </a:r>
+            <a:r>
+              <a:rPr lang="en-US" i="1" dirty="0" smtClean="0">
+                <a:solidFill>
+                  <a:schemeClr val="accent6">
+                    <a:lumMod val="75000"/>
+                  </a:schemeClr>
+                </a:solidFill>
+              </a:rPr>
+              <a:t>(content)</a:t>
+            </a:r>
+            <a:r>
+              <a:rPr lang="bg-BG" dirty="0" smtClean="0"/>
+              <a:t> -&gt; задава съдържанието на даден елемент като </a:t>
+            </a:r>
+            <a:r>
+              <a:rPr lang="en-US" dirty="0" smtClean="0"/>
+              <a:t>escape-</a:t>
+            </a:r>
+            <a:r>
+              <a:rPr lang="bg-BG" dirty="0" smtClean="0"/>
+              <a:t>ва</a:t>
+            </a:r>
+            <a:endParaRPr lang="en-US" dirty="0" smtClean="0"/>
+          </a:p>
+          <a:p>
+            <a:pPr lvl="1"/>
+            <a:r>
+              <a:rPr lang="bg-BG" dirty="0" smtClean="0"/>
+              <a:t>Повече информация може да бъде намерена в </a:t>
+            </a:r>
+            <a:r>
+              <a:rPr lang="bg-BG" dirty="0" smtClean="0">
+                <a:hlinkClick r:id="rId2"/>
+              </a:rPr>
+              <a:t>официалната документация</a:t>
+            </a:r>
+            <a:r>
+              <a:rPr lang="bg-BG" dirty="0" smtClean="0"/>
+              <a:t> на </a:t>
+            </a:r>
+            <a:r>
+              <a:rPr lang="en-US" dirty="0" smtClean="0"/>
+              <a:t>jQuery</a:t>
+            </a:r>
+          </a:p>
+        </p:txBody>
+      </p:sp>
+    </p:spTree>
+    <p:extLst>
+      <p:ext uri="{BB962C8B-B14F-4D97-AF65-F5344CB8AC3E}">
+        <p14:creationId xmlns:p14="http://schemas.microsoft.com/office/powerpoint/2010/main" val="2685038421"/>
+      </p:ext>
+    </p:extLst>
+  </p:cSld>
+  <p:clrMapOvr>
+    <a:masterClrMapping/>
+  </p:clrMapOvr>
+  <mc:AlternateContent xmlns:mc="http://schemas.openxmlformats.org/markup-compatibility/2006" xmlns:p14="http://schemas.microsoft.com/office/powerpoint/2010/main">
+    <mc:Choice Requires="p14">
+      <p:transition spd="slow" p14:dur="2000"/>
+    </mc:Choice>
+    <mc:Fallback xmlns="">
+      <p:transition spd="slow"/>
+    </mc:Fallback>
+  </mc:AlternateContent>
+</p:sld>
+</file>
+
+<file path=ppt/slides/slide14.xml><?xml version="1.0" encoding="utf-8"?>
+<p:sld xmlns:a="http://schemas.openxmlformats.org/drawingml/2006/main" xmlns:r="http://schemas.openxmlformats.org/officeDocument/2006/relationships" xmlns:p="http://schemas.openxmlformats.org/presentationml/2006/main">
+  <p:cSld>
+    <p:spTree>
+      <p:nvGrpSpPr>
+        <p:cNvPr id="1" name=""/>
+        <p:cNvGrpSpPr/>
+        <p:nvPr/>
+      </p:nvGrpSpPr>
+      <p:grpSpPr>
+        <a:xfrm>
+          <a:off x="0" y="0"/>
+          <a:ext cx="0" cy="0"/>
+          <a:chOff x="0" y="0"/>
+          <a:chExt cx="0" cy="0"/>
+        </a:xfrm>
+      </p:grpSpPr>
+      <p:sp>
+        <p:nvSpPr>
+          <p:cNvPr id="6" name="Title 5"/>
+          <p:cNvSpPr>
+            <a:spLocks noGrp="1"/>
+          </p:cNvSpPr>
+          <p:nvPr>
+            <p:ph type="title"/>
+          </p:nvPr>
+        </p:nvSpPr>
+        <p:spPr>
+          <a:xfrm>
+            <a:off x="1484311" y="166256"/>
+            <a:ext cx="10018713" cy="2272144"/>
+          </a:xfrm>
+        </p:spPr>
+        <p:txBody>
+          <a:bodyPr/>
+          <a:lstStyle/>
+          <a:p>
+            <a:r>
+              <a:rPr lang="bg-BG" dirty="0"/>
+              <a:t>Разширени </a:t>
+            </a:r>
+            <a:r>
+              <a:rPr lang="en-US" dirty="0"/>
+              <a:t>DOM</a:t>
+            </a:r>
+            <a:r>
+              <a:rPr lang="bg-BG" dirty="0"/>
+              <a:t> обекти с </a:t>
+            </a:r>
+            <a:r>
+              <a:rPr lang="en-US" dirty="0"/>
+              <a:t>jQuery</a:t>
+            </a:r>
+            <a:r>
+              <a:rPr lang="bg-BG" dirty="0" smtClean="0"/>
+              <a:t>. Характеристики </a:t>
+            </a:r>
+            <a:r>
+              <a:rPr lang="bg-BG" dirty="0"/>
+              <a:t>на </a:t>
+            </a:r>
+            <a:r>
+              <a:rPr lang="en-US" dirty="0"/>
+              <a:t>jQuery </a:t>
+            </a:r>
+            <a:r>
+              <a:rPr lang="bg-BG" dirty="0"/>
+              <a:t>елементите</a:t>
+            </a:r>
+            <a:endParaRPr lang="en-US" i="1" dirty="0">
+              <a:solidFill>
+                <a:schemeClr val="accent6">
+                  <a:lumMod val="75000"/>
+                </a:schemeClr>
+              </a:solidFill>
+            </a:endParaRPr>
+          </a:p>
+        </p:txBody>
+      </p:sp>
+      <p:pic>
+        <p:nvPicPr>
+          <p:cNvPr id="7" name="Picture 6"/>
+          <p:cNvPicPr>
+            <a:picLocks noChangeAspect="1"/>
+          </p:cNvPicPr>
+          <p:nvPr/>
+        </p:nvPicPr>
+        <p:blipFill>
+          <a:blip r:embed="rId2">
+            <a:extLst>
+              <a:ext uri="{28A0092B-C50C-407E-A947-70E740481C1C}">
+                <a14:useLocalDpi xmlns:a14="http://schemas.microsoft.com/office/drawing/2010/main" val="0"/>
+              </a:ext>
+            </a:extLst>
+          </a:blip>
+          <a:stretch>
+            <a:fillRect/>
+          </a:stretch>
+        </p:blipFill>
+        <p:spPr>
+          <a:xfrm>
+            <a:off x="4112417" y="1943677"/>
+            <a:ext cx="4762500" cy="4762500"/>
+          </a:xfrm>
+          <a:prstGeom prst="rect">
+            <a:avLst/>
+          </a:prstGeom>
+        </p:spPr>
+      </p:pic>
+    </p:spTree>
+    <p:extLst>
+      <p:ext uri="{BB962C8B-B14F-4D97-AF65-F5344CB8AC3E}">
+        <p14:creationId xmlns:p14="http://schemas.microsoft.com/office/powerpoint/2010/main" val="2671455763"/>
+      </p:ext>
+    </p:extLst>
+  </p:cSld>
+  <p:clrMapOvr>
+    <a:masterClrMapping/>
+  </p:clrMapOvr>
+  <mc:AlternateContent xmlns:mc="http://schemas.openxmlformats.org/markup-compatibility/2006" xmlns:p14="http://schemas.microsoft.com/office/powerpoint/2010/main">
+    <mc:Choice Requires="p14">
+      <p:transition spd="slow" p14:dur="2000"/>
+    </mc:Choice>
+    <mc:Fallback xmlns="">
+      <p:transition spd="slow"/>
+    </mc:Fallback>
+  </mc:AlternateContent>
+  <p:timing>
+    <p:tnLst>
+      <p:par>
+        <p:cTn id="1" dur="indefinite" restart="never" nodeType="tmRoot"/>
+      </p:par>
+    </p:tnLst>
+  </p:timing>
+</p:sld>
+</file>
+
+<file path=ppt/slides/slide15.xml><?xml version="1.0" encoding="utf-8"?>
+<p:sld xmlns:a="http://schemas.openxmlformats.org/drawingml/2006/main" xmlns:r="http://schemas.openxmlformats.org/officeDocument/2006/relationships" xmlns:p="http://schemas.openxmlformats.org/presentationml/2006/main" show="0">
+  <p:cSld>
+    <p:spTree>
+      <p:nvGrpSpPr>
+        <p:cNvPr id="1" name=""/>
+        <p:cNvGrpSpPr/>
+        <p:nvPr/>
+      </p:nvGrpSpPr>
+      <p:grpSpPr>
+        <a:xfrm>
+          <a:off x="0" y="0"/>
+          <a:ext cx="0" cy="0"/>
+          <a:chOff x="0" y="0"/>
+          <a:chExt cx="0" cy="0"/>
+        </a:xfrm>
+      </p:grpSpPr>
+      <p:sp>
+        <p:nvSpPr>
+          <p:cNvPr id="2" name="Title 1"/>
+          <p:cNvSpPr>
+            <a:spLocks noGrp="1"/>
+          </p:cNvSpPr>
+          <p:nvPr>
+            <p:ph type="title"/>
+          </p:nvPr>
+        </p:nvSpPr>
+        <p:spPr/>
+        <p:txBody>
+          <a:bodyPr/>
+          <a:lstStyle/>
+          <a:p>
+            <a:r>
+              <a:rPr lang="bg-BG" dirty="0" smtClean="0"/>
+              <a:t>Събития</a:t>
+            </a:r>
+            <a:r>
+              <a:rPr lang="en-US" dirty="0" smtClean="0"/>
+              <a:t> /events/</a:t>
+            </a:r>
+            <a:r>
+              <a:rPr lang="bg-BG" dirty="0" smtClean="0"/>
+              <a:t> с </a:t>
+            </a:r>
+            <a:r>
+              <a:rPr lang="en-US" dirty="0" smtClean="0"/>
+              <a:t>jQuery</a:t>
+            </a:r>
+            <a:endParaRPr lang="en-US" dirty="0"/>
+          </a:p>
+        </p:txBody>
+      </p:sp>
+      <p:sp>
+        <p:nvSpPr>
+          <p:cNvPr id="3" name="Content Placeholder 2"/>
+          <p:cNvSpPr>
+            <a:spLocks noGrp="1"/>
+          </p:cNvSpPr>
+          <p:nvPr>
+            <p:ph idx="1"/>
+          </p:nvPr>
+        </p:nvSpPr>
+        <p:spPr/>
+        <p:txBody>
+          <a:bodyPr/>
+          <a:lstStyle/>
+          <a:p>
+            <a:r>
+              <a:rPr lang="en-US" dirty="0" smtClean="0"/>
+              <a:t>jQuery </a:t>
+            </a:r>
+            <a:r>
+              <a:rPr lang="bg-BG" dirty="0" smtClean="0"/>
+              <a:t>ни дава много лесен начин за закачване и разкачване към събития</a:t>
+            </a:r>
+          </a:p>
+          <a:p>
+            <a:pPr lvl="1"/>
+            <a:r>
+              <a:rPr lang="en-US" dirty="0" smtClean="0"/>
+              <a:t>jQuery</a:t>
+            </a:r>
+            <a:r>
+              <a:rPr lang="bg-BG" dirty="0" smtClean="0"/>
+              <a:t> работи </a:t>
+            </a:r>
+            <a:r>
+              <a:rPr lang="en-US" dirty="0" smtClean="0"/>
+              <a:t>cross-</a:t>
+            </a:r>
+            <a:r>
+              <a:rPr lang="en-US" dirty="0" err="1" smtClean="0"/>
+              <a:t>brower</a:t>
+            </a:r>
+            <a:r>
+              <a:rPr lang="en-US" dirty="0" smtClean="0"/>
+              <a:t>, </a:t>
+            </a:r>
+            <a:r>
+              <a:rPr lang="bg-BG" dirty="0" smtClean="0"/>
+              <a:t>т.е.не са необходими разни </a:t>
+            </a:r>
+            <a:r>
+              <a:rPr lang="en-US" dirty="0" smtClean="0"/>
+              <a:t>shim-</a:t>
+            </a:r>
+            <a:r>
+              <a:rPr lang="bg-BG" dirty="0" smtClean="0"/>
+              <a:t>ове или други, за да гарантираме работата на различни браузъри</a:t>
+            </a:r>
+          </a:p>
+          <a:p>
+            <a:pPr lvl="1"/>
+            <a:r>
+              <a:rPr lang="bg-BG" dirty="0" smtClean="0"/>
+              <a:t>Използват се методите </a:t>
+            </a:r>
+            <a:r>
+              <a:rPr lang="en-US" dirty="0" smtClean="0"/>
+              <a:t>on() </a:t>
+            </a:r>
+            <a:r>
+              <a:rPr lang="bg-BG" dirty="0" smtClean="0"/>
+              <a:t>или </a:t>
+            </a:r>
+            <a:r>
+              <a:rPr lang="en-US" dirty="0" smtClean="0"/>
+              <a:t>off()</a:t>
+            </a:r>
+            <a:endParaRPr lang="bg-BG" dirty="0" smtClean="0"/>
+          </a:p>
+          <a:p>
+            <a:pPr lvl="1"/>
+            <a:r>
+              <a:rPr lang="bg-BG" dirty="0" smtClean="0"/>
+              <a:t>Документация за </a:t>
+            </a:r>
+            <a:r>
+              <a:rPr lang="en-US" dirty="0" smtClean="0">
+                <a:hlinkClick r:id="rId2"/>
+              </a:rPr>
+              <a:t>jQuery Events</a:t>
+            </a:r>
+            <a:endParaRPr lang="en-US" dirty="0"/>
+          </a:p>
+        </p:txBody>
+      </p:sp>
+      <p:sp>
+        <p:nvSpPr>
+          <p:cNvPr id="4" name="Text Placeholder 5"/>
+          <p:cNvSpPr txBox="1">
+            <a:spLocks/>
+          </p:cNvSpPr>
+          <p:nvPr/>
+        </p:nvSpPr>
+        <p:spPr>
+          <a:xfrm>
+            <a:off x="5634183" y="5468034"/>
+            <a:ext cx="5043054" cy="923330"/>
+          </a:xfrm>
+          <a:prstGeom prst="rect">
+            <a:avLst/>
+          </a:prstGeom>
+          <a:ln/>
+        </p:spPr>
+        <p:style>
+          <a:lnRef idx="0">
+            <a:schemeClr val="accent1"/>
+          </a:lnRef>
+          <a:fillRef idx="3">
+            <a:schemeClr val="accent1"/>
+          </a:fillRef>
+          <a:effectRef idx="3">
+            <a:schemeClr val="accent1"/>
+          </a:effectRef>
+          <a:fontRef idx="minor">
+            <a:schemeClr val="lt1"/>
+          </a:fontRef>
+        </p:style>
+        <p:txBody>
+          <a:bodyPr wrap="square">
+            <a:spAutoFit/>
+          </a:bodyPr>
+          <a:lstStyle>
+            <a:lvl1pPr indent="0" fontAlgn="base">
+              <a:spcBef>
+                <a:spcPts val="0"/>
+              </a:spcBef>
+              <a:spcAft>
+                <a:spcPct val="0"/>
+              </a:spcAft>
+              <a:buClr>
+                <a:schemeClr val="accent5">
+                  <a:lumMod val="40000"/>
+                  <a:lumOff val="60000"/>
+                </a:schemeClr>
+              </a:buClr>
+              <a:buSzPct val="70000"/>
+              <a:buFont typeface="Wingdings 2" pitchFamily="18" charset="2"/>
+              <a:buNone/>
+              <a:defRPr lang="en-US" sz="2000" b="1" smtClean="0">
+                <a:solidFill>
+                  <a:srgbClr val="8CF4F2"/>
+                </a:solidFill>
+                <a:effectLst>
+                  <a:outerShdw blurRad="38100" dist="38100" dir="2700000" algn="tl">
+                    <a:srgbClr val="000000">
+                      <a:alpha val="43137"/>
+                    </a:srgbClr>
+                  </a:outerShdw>
+                </a:effectLst>
+                <a:latin typeface="Consolas" pitchFamily="49" charset="0"/>
+                <a:cs typeface="Consolas" pitchFamily="49" charset="0"/>
+              </a:defRPr>
+            </a:lvl1pPr>
+            <a:lvl2pPr marL="630238" indent="-273050" fontAlgn="base">
+              <a:spcBef>
+                <a:spcPct val="20000"/>
+              </a:spcBef>
+              <a:spcAft>
+                <a:spcPct val="0"/>
+              </a:spcAft>
+              <a:buClr>
+                <a:schemeClr val="accent2">
+                  <a:lumMod val="60000"/>
+                  <a:lumOff val="40000"/>
+                </a:schemeClr>
+              </a:buClr>
+              <a:buFont typeface="Wingdings 2" pitchFamily="18" charset="2"/>
+              <a:buChar char=""/>
+              <a:defRPr sz="3000" b="1">
+                <a:solidFill>
+                  <a:schemeClr val="tx1">
+                    <a:lumMod val="20000"/>
+                    <a:lumOff val="80000"/>
+                  </a:schemeClr>
+                </a:solidFill>
+                <a:effectLst>
+                  <a:outerShdw blurRad="38100" dist="38100" dir="2700000" algn="tl">
+                    <a:srgbClr val="000000">
+                      <a:alpha val="43137"/>
+                    </a:srgbClr>
+                  </a:outerShdw>
+                </a:effectLst>
+              </a:defRPr>
+            </a:lvl2pPr>
+            <a:lvl3pPr marL="922338" indent="-273050" fontAlgn="base">
+              <a:spcBef>
+                <a:spcPct val="20000"/>
+              </a:spcBef>
+              <a:spcAft>
+                <a:spcPct val="0"/>
+              </a:spcAft>
+              <a:buClr>
+                <a:schemeClr val="tx1">
+                  <a:lumMod val="50000"/>
+                </a:schemeClr>
+              </a:buClr>
+              <a:buFont typeface="Wingdings 2" pitchFamily="18" charset="2"/>
+              <a:buChar char=""/>
+              <a:defRPr sz="2800" b="1">
+                <a:solidFill>
+                  <a:schemeClr val="tx1">
+                    <a:lumMod val="20000"/>
+                    <a:lumOff val="80000"/>
+                  </a:schemeClr>
+                </a:solidFill>
+                <a:effectLst>
+                  <a:outerShdw blurRad="38100" dist="38100" dir="2700000" algn="tl">
+                    <a:srgbClr val="000000">
+                      <a:alpha val="43137"/>
+                    </a:srgbClr>
+                  </a:outerShdw>
+                </a:effectLst>
+              </a:defRPr>
+            </a:lvl3pPr>
+            <a:lvl4pPr marL="1187450" indent="-228600" fontAlgn="base">
+              <a:spcBef>
+                <a:spcPct val="20000"/>
+              </a:spcBef>
+              <a:spcAft>
+                <a:spcPct val="0"/>
+              </a:spcAft>
+              <a:buClr>
+                <a:srgbClr val="F8BD52"/>
+              </a:buClr>
+              <a:buFont typeface="Wingdings 2" pitchFamily="18" charset="2"/>
+              <a:buChar char=""/>
+              <a:defRPr sz="2600" b="1">
+                <a:solidFill>
+                  <a:schemeClr val="tx1">
+                    <a:lumMod val="20000"/>
+                    <a:lumOff val="80000"/>
+                  </a:schemeClr>
+                </a:solidFill>
+                <a:effectLst>
+                  <a:outerShdw blurRad="38100" dist="38100" dir="2700000" algn="tl">
+                    <a:srgbClr val="000000">
+                      <a:alpha val="43137"/>
+                    </a:srgbClr>
+                  </a:outerShdw>
+                </a:effectLst>
+              </a:defRPr>
+            </a:lvl4pPr>
+            <a:lvl5pPr marL="1425575" indent="-228600" fontAlgn="base">
+              <a:spcBef>
+                <a:spcPct val="20000"/>
+              </a:spcBef>
+              <a:spcAft>
+                <a:spcPct val="0"/>
+              </a:spcAft>
+              <a:buClr>
+                <a:srgbClr val="46A6BD"/>
+              </a:buClr>
+              <a:buFont typeface="Wingdings 2" pitchFamily="18" charset="2"/>
+              <a:buChar char=""/>
+              <a:defRPr sz="2400" b="1">
+                <a:solidFill>
+                  <a:schemeClr val="tx1">
+                    <a:lumMod val="20000"/>
+                    <a:lumOff val="80000"/>
+                  </a:schemeClr>
+                </a:solidFill>
+                <a:effectLst>
+                  <a:outerShdw blurRad="38100" dist="38100" dir="2700000" algn="tl">
+                    <a:srgbClr val="000000">
+                      <a:alpha val="43137"/>
+                    </a:srgbClr>
+                  </a:outerShdw>
+                </a:effectLst>
+              </a:defRPr>
+            </a:lvl5pPr>
+            <a:lvl6pPr marL="1673352" indent="-228600">
+              <a:spcBef>
+                <a:spcPct val="20000"/>
+              </a:spcBef>
+              <a:buClr>
+                <a:schemeClr val="accent6"/>
+              </a:buClr>
+              <a:buFont typeface="Wingdings 2"/>
+              <a:buChar char=""/>
+            </a:lvl6pPr>
+            <a:lvl7pPr marL="1911096" indent="-228600">
+              <a:spcBef>
+                <a:spcPct val="20000"/>
+              </a:spcBef>
+              <a:buClr>
+                <a:schemeClr val="tx2"/>
+              </a:buClr>
+              <a:buFont typeface="Wingdings 2"/>
+              <a:buChar char=""/>
+              <a:defRPr sz="1600"/>
+            </a:lvl7pPr>
+            <a:lvl8pPr marL="2121408" indent="-182880">
+              <a:spcBef>
+                <a:spcPct val="20000"/>
+              </a:spcBef>
+              <a:buClr>
+                <a:schemeClr val="tx2"/>
+              </a:buClr>
+              <a:buFont typeface="Wingdings 2"/>
+              <a:buChar char=""/>
+              <a:defRPr sz="1400"/>
+            </a:lvl8pPr>
+            <a:lvl9pPr marL="2322576" indent="-182880">
+              <a:spcBef>
+                <a:spcPct val="20000"/>
+              </a:spcBef>
+              <a:buClr>
+                <a:schemeClr val="tx2"/>
+              </a:buClr>
+              <a:buFont typeface="Wingdings 2"/>
+              <a:buChar char=""/>
+              <a:defRPr sz="1400"/>
+            </a:lvl9pPr>
+          </a:lstStyle>
+          <a:p>
+            <a:r>
+              <a:rPr lang="en-US" sz="1800" b="0" dirty="0" smtClean="0">
+                <a:effectLst/>
+              </a:rPr>
+              <a:t>$(</a:t>
+            </a:r>
+            <a:r>
+              <a:rPr lang="en-US" sz="1800" b="0" dirty="0">
+                <a:effectLst/>
+              </a:rPr>
+              <a:t>'</a:t>
+            </a:r>
+            <a:r>
+              <a:rPr lang="en-US" sz="1800" b="0" dirty="0" err="1">
+                <a:effectLst/>
+              </a:rPr>
+              <a:t>a.btn</a:t>
+            </a:r>
+            <a:r>
+              <a:rPr lang="en-US" sz="1800" b="0" dirty="0">
+                <a:effectLst/>
+              </a:rPr>
+              <a:t>').</a:t>
+            </a:r>
+            <a:r>
+              <a:rPr lang="en-US" sz="1800" dirty="0">
+                <a:effectLst/>
+              </a:rPr>
+              <a:t>on</a:t>
+            </a:r>
+            <a:r>
+              <a:rPr lang="en-US" sz="1800" b="0" dirty="0">
+                <a:effectLst/>
+              </a:rPr>
+              <a:t>('click', function () {</a:t>
+            </a:r>
+          </a:p>
+          <a:p>
+            <a:r>
+              <a:rPr lang="en-US" sz="1800" b="0" dirty="0">
+                <a:effectLst/>
+              </a:rPr>
+              <a:t>    </a:t>
+            </a:r>
+            <a:r>
+              <a:rPr lang="en-US" sz="1800" b="0" dirty="0" smtClean="0">
+                <a:effectLst/>
+              </a:rPr>
+              <a:t>$(".</a:t>
+            </a:r>
+            <a:r>
+              <a:rPr lang="en-US" sz="1800" b="0" dirty="0">
+                <a:effectLst/>
+              </a:rPr>
+              <a:t>hello").</a:t>
+            </a:r>
+            <a:r>
+              <a:rPr lang="en-US" sz="1800" b="0" dirty="0" err="1">
+                <a:effectLst/>
+              </a:rPr>
+              <a:t>addClass</a:t>
+            </a:r>
+            <a:r>
+              <a:rPr lang="en-US" sz="1800" b="0" dirty="0">
+                <a:effectLst/>
+              </a:rPr>
+              <a:t>("selected");</a:t>
+            </a:r>
+          </a:p>
+          <a:p>
+            <a:r>
+              <a:rPr lang="en-US" sz="1800" b="0" dirty="0" smtClean="0">
+                <a:effectLst/>
+              </a:rPr>
+              <a:t>});</a:t>
+            </a:r>
+            <a:endParaRPr lang="it-IT" sz="1800" b="0" dirty="0">
+              <a:effectLst/>
+            </a:endParaRPr>
+          </a:p>
+        </p:txBody>
+      </p:sp>
+    </p:spTree>
+    <p:extLst>
+      <p:ext uri="{BB962C8B-B14F-4D97-AF65-F5344CB8AC3E}">
+        <p14:creationId xmlns:p14="http://schemas.microsoft.com/office/powerpoint/2010/main" val="3966513080"/>
+      </p:ext>
+    </p:extLst>
+  </p:cSld>
+  <p:clrMapOvr>
+    <a:masterClrMapping/>
+  </p:clrMapOvr>
+  <mc:AlternateContent xmlns:mc="http://schemas.openxmlformats.org/markup-compatibility/2006">
+    <mc:Choice xmlns:p14="http://schemas.microsoft.com/office/powerpoint/2010/main" Requires="p14">
+      <p:transition spd="slow" p14:dur="2000"/>
+    </mc:Choice>
+    <mc:Fallback>
+      <p:transition spd="slow"/>
+    </mc:Fallback>
+  </mc:AlternateContent>
+</p:sld>
+</file>
+
+<file path=ppt/slides/slide16.xml><?xml version="1.0" encoding="utf-8"?>
+<p:sld xmlns:a="http://schemas.openxmlformats.org/drawingml/2006/main" xmlns:r="http://schemas.openxmlformats.org/officeDocument/2006/relationships" xmlns:p="http://schemas.openxmlformats.org/presentationml/2006/main">
+  <p:cSld>
+    <p:spTree>
+      <p:nvGrpSpPr>
+        <p:cNvPr id="1" name=""/>
+        <p:cNvGrpSpPr/>
+        <p:nvPr/>
+      </p:nvGrpSpPr>
+      <p:grpSpPr>
+        <a:xfrm>
+          <a:off x="0" y="0"/>
+          <a:ext cx="0" cy="0"/>
+          <a:chOff x="0" y="0"/>
+          <a:chExt cx="0" cy="0"/>
+        </a:xfrm>
+      </p:grpSpPr>
+      <p:sp>
+        <p:nvSpPr>
+          <p:cNvPr id="6" name="Title 5"/>
+          <p:cNvSpPr>
+            <a:spLocks noGrp="1"/>
+          </p:cNvSpPr>
+          <p:nvPr>
+            <p:ph type="title"/>
+          </p:nvPr>
+        </p:nvSpPr>
+        <p:spPr>
+          <a:xfrm>
+            <a:off x="1484311" y="166256"/>
+            <a:ext cx="10018713" cy="2272144"/>
+          </a:xfrm>
+        </p:spPr>
+        <p:txBody>
+          <a:bodyPr/>
+          <a:lstStyle/>
+          <a:p>
+            <a:r>
+              <a:rPr lang="bg-BG" dirty="0"/>
+              <a:t>Събития</a:t>
+            </a:r>
+            <a:r>
+              <a:rPr lang="en-US" dirty="0"/>
+              <a:t> /events/</a:t>
+            </a:r>
+            <a:r>
+              <a:rPr lang="bg-BG" dirty="0"/>
+              <a:t> с </a:t>
+            </a:r>
+            <a:r>
+              <a:rPr lang="en-US" dirty="0"/>
+              <a:t>jQuery</a:t>
+            </a:r>
+            <a:endParaRPr lang="en-US" i="1" dirty="0">
+              <a:solidFill>
+                <a:schemeClr val="accent6">
+                  <a:lumMod val="75000"/>
+                </a:schemeClr>
+              </a:solidFill>
+            </a:endParaRPr>
+          </a:p>
+        </p:txBody>
+      </p:sp>
+      <p:pic>
+        <p:nvPicPr>
+          <p:cNvPr id="7" name="Picture 6"/>
+          <p:cNvPicPr>
+            <a:picLocks noChangeAspect="1"/>
+          </p:cNvPicPr>
+          <p:nvPr/>
+        </p:nvPicPr>
+        <p:blipFill>
+          <a:blip r:embed="rId2">
+            <a:extLst>
+              <a:ext uri="{28A0092B-C50C-407E-A947-70E740481C1C}">
+                <a14:useLocalDpi xmlns:a14="http://schemas.microsoft.com/office/drawing/2010/main" val="0"/>
+              </a:ext>
+            </a:extLst>
+          </a:blip>
+          <a:stretch>
+            <a:fillRect/>
+          </a:stretch>
+        </p:blipFill>
+        <p:spPr>
+          <a:xfrm>
+            <a:off x="4112417" y="1943677"/>
+            <a:ext cx="4762500" cy="4762500"/>
+          </a:xfrm>
+          <a:prstGeom prst="rect">
+            <a:avLst/>
+          </a:prstGeom>
+        </p:spPr>
+      </p:pic>
+    </p:spTree>
+    <p:extLst>
+      <p:ext uri="{BB962C8B-B14F-4D97-AF65-F5344CB8AC3E}">
+        <p14:creationId xmlns:p14="http://schemas.microsoft.com/office/powerpoint/2010/main" val="2437079219"/>
+      </p:ext>
+    </p:extLst>
+  </p:cSld>
+  <p:clrMapOvr>
+    <a:masterClrMapping/>
+  </p:clrMapOvr>
+  <mc:AlternateContent xmlns:mc="http://schemas.openxmlformats.org/markup-compatibility/2006" xmlns:p14="http://schemas.microsoft.com/office/powerpoint/2010/main">
+    <mc:Choice Requires="p14">
+      <p:transition spd="slow" p14:dur="2000"/>
+    </mc:Choice>
+    <mc:Fallback xmlns="">
+      <p:transition spd="slow"/>
+    </mc:Fallback>
+  </mc:AlternateContent>
+  <p:timing>
+    <p:tnLst>
+      <p:par>
+        <p:cTn id="1" dur="indefinite" restart="never" nodeType="tmRoot"/>
+      </p:par>
+    </p:tnLst>
+  </p:timing>
+</p:sld>
+</file>
+
+<file path=ppt/slides/slide17.xml><?xml version="1.0" encoding="utf-8"?>
+<p:sld xmlns:a="http://schemas.openxmlformats.org/drawingml/2006/main" xmlns:r="http://schemas.openxmlformats.org/officeDocument/2006/relationships" xmlns:p="http://schemas.openxmlformats.org/presentationml/2006/main">
+  <p:cSld>
+    <p:spTree>
+      <p:nvGrpSpPr>
+        <p:cNvPr id="1" name=""/>
+        <p:cNvGrpSpPr/>
+        <p:nvPr/>
+      </p:nvGrpSpPr>
+      <p:grpSpPr>
+        <a:xfrm>
+          <a:off x="0" y="0"/>
+          <a:ext cx="0" cy="0"/>
+          <a:chOff x="0" y="0"/>
+          <a:chExt cx="0" cy="0"/>
+        </a:xfrm>
+      </p:grpSpPr>
       <p:pic>
         <p:nvPicPr>
           <p:cNvPr id="4" name="Content Placeholder 3"/>
@@ -8789,7 +9867,7 @@
 </p:sld>
 </file>
 
-<file path=ppt/slides/slide14.xml><?xml version="1.0" encoding="utf-8"?>
+<file path=ppt/slides/slide18.xml><?xml version="1.0" encoding="utf-8"?>
 <p:sld xmlns:a="http://schemas.openxmlformats.org/drawingml/2006/main" xmlns:r="http://schemas.openxmlformats.org/officeDocument/2006/relationships" xmlns:p="http://schemas.openxmlformats.org/presentationml/2006/main">
   <p:cSld>
     <p:spTree>
